--- a/docs/Presentation.pptx
+++ b/docs/Presentation.pptx
@@ -4836,14 +4836,7 @@
                 <a:latin typeface="Fira Code Light" panose="020B0809050000020004" pitchFamily="49" charset="0"/>
                 <a:ea typeface="Fira Code Light" panose="020B0809050000020004" pitchFamily="49" charset="0"/>
               </a:rPr>
-              <a:t>Kartik </a:t>
-            </a:r>
-            <a:r>
-              <a:rPr lang="en-US" sz="1400" b="1" dirty="0" smtClean="0">
-                <a:latin typeface="Fira Code Light" panose="020B0809050000020004" pitchFamily="49" charset="0"/>
-                <a:ea typeface="Fira Code Light" panose="020B0809050000020004" pitchFamily="49" charset="0"/>
-              </a:rPr>
-              <a:t>Sajwan(170101041)</a:t>
+              <a:t>Kartik Sajwan(170101041)</a:t>
             </a:r>
           </a:p>
           <a:p>
@@ -4865,19 +4858,8 @@
                 <a:latin typeface="Fira Code Light" panose="020B0809050000020004" pitchFamily="49" charset="0"/>
                 <a:ea typeface="Fira Code Light" panose="020B0809050000020004" pitchFamily="49" charset="0"/>
               </a:rPr>
-              <a:t>			Nishika </a:t>
-            </a:r>
-            <a:r>
-              <a:rPr lang="en-US" sz="1400" b="1" dirty="0" smtClean="0">
-                <a:latin typeface="Fira Code Light" panose="020B0809050000020004" pitchFamily="49" charset="0"/>
-                <a:ea typeface="Fira Code Light" panose="020B0809050000020004" pitchFamily="49" charset="0"/>
-              </a:rPr>
-              <a:t>Rana(170101055)</a:t>
-            </a:r>
-            <a:endParaRPr lang="en-US" sz="1400" b="1" dirty="0" smtClean="0">
-              <a:latin typeface="Fira Code Light" panose="020B0809050000020004" pitchFamily="49" charset="0"/>
-              <a:ea typeface="Fira Code Light" panose="020B0809050000020004" pitchFamily="49" charset="0"/>
-            </a:endParaRPr>
+              <a:t>			Nishika Rana(170101055)</a:t>
+            </a:r>
           </a:p>
           <a:p>
             <a:pPr algn="r">
@@ -5702,7 +5684,7 @@
         </p:spPr>
         <p:txBody>
           <a:bodyPr>
-            <a:normAutofit fontScale="90000"/>
+            <a:normAutofit/>
           </a:bodyPr>
           <a:lstStyle/>
           <a:p>
@@ -5716,14 +5698,24 @@
               <a:defRPr/>
             </a:pPr>
             <a:r>
-              <a:rPr lang="en-US" sz="3600" b="1" kern="0" dirty="0" smtClean="0">
+              <a:rPr lang="en-US" sz="3600" b="1" kern="0" smtClean="0">
                 <a:solidFill>
                   <a:schemeClr val="tx1"/>
                 </a:solidFill>
                 <a:latin typeface="Times New Roman" pitchFamily="18" charset="0"/>
                 <a:cs typeface="Times New Roman" pitchFamily="18" charset="0"/>
               </a:rPr>
-              <a:t>Literature Review (from where you get the idea)</a:t>
+              <a:t>Literature </a:t>
+            </a:r>
+            <a:r>
+              <a:rPr lang="en-US" sz="3600" b="1" kern="0" smtClean="0">
+                <a:solidFill>
+                  <a:schemeClr val="tx1"/>
+                </a:solidFill>
+                <a:latin typeface="Times New Roman" pitchFamily="18" charset="0"/>
+                <a:cs typeface="Times New Roman" pitchFamily="18" charset="0"/>
+              </a:rPr>
+              <a:t>Review</a:t>
             </a:r>
             <a:endParaRPr lang="en-US" sz="5400" kern="0" dirty="0">
               <a:solidFill>
@@ -5805,11 +5797,7 @@
             </a:pPr>
             <a:r>
               <a:rPr lang="en-US" sz="2400" dirty="0" smtClean="0"/>
-              <a:t>4. </a:t>
-            </a:r>
-            <a:r>
-              <a:rPr lang="en-US" sz="2400" dirty="0" smtClean="0"/>
-              <a:t>CNN </a:t>
+              <a:t>4. CNN </a:t>
             </a:r>
             <a:endParaRPr lang="en-IN" sz="2400" dirty="0" smtClean="0"/>
           </a:p>
@@ -5928,23 +5916,7 @@
                 <a:ea typeface="Fira Code Retina" panose="020B0809050000020004" pitchFamily="49" charset="0"/>
                 <a:cs typeface="Times New Roman" panose="02020603050405020304" pitchFamily="18" charset="0"/>
               </a:rPr>
-              <a:t>The model developed under this project would be able to track human activity based on their </a:t>
-            </a:r>
-            <a:r>
-              <a:rPr lang="en-IN" dirty="0" smtClean="0">
-                <a:latin typeface="Times New Roman" panose="02020603050405020304" pitchFamily="18" charset="0"/>
-                <a:ea typeface="Fira Code Retina" panose="020B0809050000020004" pitchFamily="49" charset="0"/>
-                <a:cs typeface="Times New Roman" panose="02020603050405020304" pitchFamily="18" charset="0"/>
-              </a:rPr>
-              <a:t>keypoints </a:t>
-            </a:r>
-            <a:r>
-              <a:rPr lang="en-IN" dirty="0" smtClean="0">
-                <a:latin typeface="Times New Roman" panose="02020603050405020304" pitchFamily="18" charset="0"/>
-                <a:ea typeface="Fira Code Retina" panose="020B0809050000020004" pitchFamily="49" charset="0"/>
-                <a:cs typeface="Times New Roman" panose="02020603050405020304" pitchFamily="18" charset="0"/>
-              </a:rPr>
-              <a:t>in real time.</a:t>
+              <a:t>The model developed under this project would be able to track human activity based on their keypoints in real time.</a:t>
             </a:r>
           </a:p>
           <a:p>
